--- a/Hardware/laser cutting [Autosaved].pptx
+++ b/Hardware/laser cutting [Autosaved].pptx
@@ -244,7 +244,7 @@
           <a:p>
             <a:fld id="{388AC828-02D7-4BFB-900A-BF68B74F5A47}" type="datetimeFigureOut">
               <a:rPr lang="en-ZA" smtClean="0"/>
-              <a:t>2023/10/15</a:t>
+              <a:t>2023/10/27</a:t>
             </a:fld>
             <a:endParaRPr lang="en-ZA"/>
           </a:p>
@@ -414,7 +414,7 @@
           <a:p>
             <a:fld id="{388AC828-02D7-4BFB-900A-BF68B74F5A47}" type="datetimeFigureOut">
               <a:rPr lang="en-ZA" smtClean="0"/>
-              <a:t>2023/10/15</a:t>
+              <a:t>2023/10/27</a:t>
             </a:fld>
             <a:endParaRPr lang="en-ZA"/>
           </a:p>
@@ -594,7 +594,7 @@
           <a:p>
             <a:fld id="{388AC828-02D7-4BFB-900A-BF68B74F5A47}" type="datetimeFigureOut">
               <a:rPr lang="en-ZA" smtClean="0"/>
-              <a:t>2023/10/15</a:t>
+              <a:t>2023/10/27</a:t>
             </a:fld>
             <a:endParaRPr lang="en-ZA"/>
           </a:p>
@@ -764,7 +764,7 @@
           <a:p>
             <a:fld id="{388AC828-02D7-4BFB-900A-BF68B74F5A47}" type="datetimeFigureOut">
               <a:rPr lang="en-ZA" smtClean="0"/>
-              <a:t>2023/10/15</a:t>
+              <a:t>2023/10/27</a:t>
             </a:fld>
             <a:endParaRPr lang="en-ZA"/>
           </a:p>
@@ -1008,7 +1008,7 @@
           <a:p>
             <a:fld id="{388AC828-02D7-4BFB-900A-BF68B74F5A47}" type="datetimeFigureOut">
               <a:rPr lang="en-ZA" smtClean="0"/>
-              <a:t>2023/10/15</a:t>
+              <a:t>2023/10/27</a:t>
             </a:fld>
             <a:endParaRPr lang="en-ZA"/>
           </a:p>
@@ -1240,7 +1240,7 @@
           <a:p>
             <a:fld id="{388AC828-02D7-4BFB-900A-BF68B74F5A47}" type="datetimeFigureOut">
               <a:rPr lang="en-ZA" smtClean="0"/>
-              <a:t>2023/10/15</a:t>
+              <a:t>2023/10/27</a:t>
             </a:fld>
             <a:endParaRPr lang="en-ZA"/>
           </a:p>
@@ -1607,7 +1607,7 @@
           <a:p>
             <a:fld id="{388AC828-02D7-4BFB-900A-BF68B74F5A47}" type="datetimeFigureOut">
               <a:rPr lang="en-ZA" smtClean="0"/>
-              <a:t>2023/10/15</a:t>
+              <a:t>2023/10/27</a:t>
             </a:fld>
             <a:endParaRPr lang="en-ZA"/>
           </a:p>
@@ -1725,7 +1725,7 @@
           <a:p>
             <a:fld id="{388AC828-02D7-4BFB-900A-BF68B74F5A47}" type="datetimeFigureOut">
               <a:rPr lang="en-ZA" smtClean="0"/>
-              <a:t>2023/10/15</a:t>
+              <a:t>2023/10/27</a:t>
             </a:fld>
             <a:endParaRPr lang="en-ZA"/>
           </a:p>
@@ -1820,7 +1820,7 @@
           <a:p>
             <a:fld id="{388AC828-02D7-4BFB-900A-BF68B74F5A47}" type="datetimeFigureOut">
               <a:rPr lang="en-ZA" smtClean="0"/>
-              <a:t>2023/10/15</a:t>
+              <a:t>2023/10/27</a:t>
             </a:fld>
             <a:endParaRPr lang="en-ZA"/>
           </a:p>
@@ -2097,7 +2097,7 @@
           <a:p>
             <a:fld id="{388AC828-02D7-4BFB-900A-BF68B74F5A47}" type="datetimeFigureOut">
               <a:rPr lang="en-ZA" smtClean="0"/>
-              <a:t>2023/10/15</a:t>
+              <a:t>2023/10/27</a:t>
             </a:fld>
             <a:endParaRPr lang="en-ZA"/>
           </a:p>
@@ -2354,7 +2354,7 @@
           <a:p>
             <a:fld id="{388AC828-02D7-4BFB-900A-BF68B74F5A47}" type="datetimeFigureOut">
               <a:rPr lang="en-ZA" smtClean="0"/>
-              <a:t>2023/10/15</a:t>
+              <a:t>2023/10/27</a:t>
             </a:fld>
             <a:endParaRPr lang="en-ZA"/>
           </a:p>
@@ -2567,7 +2567,7 @@
           <a:p>
             <a:fld id="{388AC828-02D7-4BFB-900A-BF68B74F5A47}" type="datetimeFigureOut">
               <a:rPr lang="en-ZA" smtClean="0"/>
-              <a:t>2023/10/15</a:t>
+              <a:t>2023/10/27</a:t>
             </a:fld>
             <a:endParaRPr lang="en-ZA"/>
           </a:p>
@@ -3882,10 +3882,10 @@
       </p:grpSpPr>
       <p:grpSp>
         <p:nvGrpSpPr>
-          <p:cNvPr id="28" name="Group 27">
+          <p:cNvPr id="12" name="Group 11">
             <a:extLst>
               <a:ext uri="{FF2B5EF4-FFF2-40B4-BE49-F238E27FC236}">
-                <a16:creationId xmlns:a16="http://schemas.microsoft.com/office/drawing/2014/main" id="{AFAFCBDE-8347-0151-47F8-C4FA587B2F70}"/>
+                <a16:creationId xmlns:a16="http://schemas.microsoft.com/office/drawing/2014/main" id="{F6B4028D-DBF0-3EBB-58C7-CCA1CD8A2F8C}"/>
               </a:ext>
             </a:extLst>
           </p:cNvPr>
@@ -3893,66 +3893,19 @@
           <p:nvPr/>
         </p:nvGrpSpPr>
         <p:grpSpPr>
-          <a:xfrm rot="5400000">
-            <a:off x="4039802" y="633000"/>
-            <a:ext cx="2880000" cy="1800000"/>
-            <a:chOff x="466360" y="248920"/>
-            <a:chExt cx="2880000" cy="1800000"/>
+          <a:xfrm rot="16200000">
+            <a:off x="5102014" y="-438659"/>
+            <a:ext cx="1800000" cy="2880000"/>
+            <a:chOff x="4579802" y="93000"/>
+            <a:chExt cx="1800000" cy="2880000"/>
           </a:xfrm>
         </p:grpSpPr>
-        <p:sp>
-          <p:nvSpPr>
-            <p:cNvPr id="29" name="Rectangle: Rounded Corners 28">
+        <p:grpSp>
+          <p:nvGrpSpPr>
+            <p:cNvPr id="28" name="Group 27">
               <a:extLst>
                 <a:ext uri="{FF2B5EF4-FFF2-40B4-BE49-F238E27FC236}">
-                  <a16:creationId xmlns:a16="http://schemas.microsoft.com/office/drawing/2014/main" id="{2DBA1A85-F565-6DC5-6E44-901BD76EEFB5}"/>
-                </a:ext>
-              </a:extLst>
-            </p:cNvPr>
-            <p:cNvSpPr/>
-            <p:nvPr/>
-          </p:nvSpPr>
-          <p:spPr>
-            <a:xfrm>
-              <a:off x="466360" y="248920"/>
-              <a:ext cx="2880000" cy="1800000"/>
-            </a:xfrm>
-            <a:prstGeom prst="roundRect">
-              <a:avLst>
-                <a:gd name="adj" fmla="val 5569"/>
-              </a:avLst>
-            </a:prstGeom>
-            <a:noFill/>
-          </p:spPr>
-          <p:style>
-            <a:lnRef idx="2">
-              <a:schemeClr val="dk1"/>
-            </a:lnRef>
-            <a:fillRef idx="1">
-              <a:schemeClr val="lt1"/>
-            </a:fillRef>
-            <a:effectRef idx="0">
-              <a:schemeClr val="dk1"/>
-            </a:effectRef>
-            <a:fontRef idx="minor">
-              <a:schemeClr val="dk1"/>
-            </a:fontRef>
-          </p:style>
-          <p:txBody>
-            <a:bodyPr rtlCol="0" anchor="ctr"/>
-            <a:lstStyle/>
-            <a:p>
-              <a:pPr algn="ctr"/>
-              <a:endParaRPr lang="en-ZA"/>
-            </a:p>
-          </p:txBody>
-        </p:sp>
-        <p:grpSp>
-          <p:nvGrpSpPr>
-            <p:cNvPr id="30" name="Group 29">
-              <a:extLst>
-                <a:ext uri="{FF2B5EF4-FFF2-40B4-BE49-F238E27FC236}">
-                  <a16:creationId xmlns:a16="http://schemas.microsoft.com/office/drawing/2014/main" id="{8A678229-D2F8-2B10-38A3-3077F109A959}"/>
+                  <a16:creationId xmlns:a16="http://schemas.microsoft.com/office/drawing/2014/main" id="{AFAFCBDE-8347-0151-47F8-C4FA587B2F70}"/>
                 </a:ext>
               </a:extLst>
             </p:cNvPr>
@@ -3960,19 +3913,19 @@
             <p:nvPr/>
           </p:nvGrpSpPr>
           <p:grpSpPr>
-            <a:xfrm>
-              <a:off x="3113680" y="392920"/>
-              <a:ext cx="72000" cy="1512000"/>
-              <a:chOff x="3117490" y="392920"/>
-              <a:chExt cx="72000" cy="1512000"/>
+            <a:xfrm rot="5400000">
+              <a:off x="4039802" y="633000"/>
+              <a:ext cx="2880000" cy="1800000"/>
+              <a:chOff x="466360" y="248920"/>
+              <a:chExt cx="2880000" cy="1800000"/>
             </a:xfrm>
           </p:grpSpPr>
           <p:sp>
             <p:nvSpPr>
-              <p:cNvPr id="34" name="Oval 33">
+              <p:cNvPr id="29" name="Rectangle: Rounded Corners 28">
                 <a:extLst>
                   <a:ext uri="{FF2B5EF4-FFF2-40B4-BE49-F238E27FC236}">
-                    <a16:creationId xmlns:a16="http://schemas.microsoft.com/office/drawing/2014/main" id="{750AFED7-EDA9-E7DE-36EF-92E9DB9E81B5}"/>
+                    <a16:creationId xmlns:a16="http://schemas.microsoft.com/office/drawing/2014/main" id="{2DBA1A85-F565-6DC5-6E44-901BD76EEFB5}"/>
                   </a:ext>
                 </a:extLst>
               </p:cNvPr>
@@ -3981,18 +3934,15 @@
             </p:nvSpPr>
             <p:spPr>
               <a:xfrm>
-                <a:off x="3117490" y="392920"/>
-                <a:ext cx="72000" cy="72000"/>
+                <a:off x="466360" y="248920"/>
+                <a:ext cx="2880000" cy="1800000"/>
               </a:xfrm>
-              <a:prstGeom prst="ellipse">
-                <a:avLst/>
+              <a:prstGeom prst="roundRect">
+                <a:avLst>
+                  <a:gd name="adj" fmla="val 5569"/>
+                </a:avLst>
               </a:prstGeom>
               <a:noFill/>
-              <a:ln w="3175">
-                <a:solidFill>
-                  <a:schemeClr val="tx1"/>
-                </a:solidFill>
-              </a:ln>
             </p:spPr>
             <p:style>
               <a:lnRef idx="2">
@@ -4017,63 +3967,255 @@
               </a:p>
             </p:txBody>
           </p:sp>
-          <p:sp>
-            <p:nvSpPr>
-              <p:cNvPr id="35" name="Oval 34">
+          <p:grpSp>
+            <p:nvGrpSpPr>
+              <p:cNvPr id="30" name="Group 29">
                 <a:extLst>
                   <a:ext uri="{FF2B5EF4-FFF2-40B4-BE49-F238E27FC236}">
-                    <a16:creationId xmlns:a16="http://schemas.microsoft.com/office/drawing/2014/main" id="{486E74E3-3C1A-12AB-63FF-83A1FCC272AB}"/>
+                    <a16:creationId xmlns:a16="http://schemas.microsoft.com/office/drawing/2014/main" id="{8A678229-D2F8-2B10-38A3-3077F109A959}"/>
                   </a:ext>
                 </a:extLst>
               </p:cNvPr>
-              <p:cNvSpPr/>
+              <p:cNvGrpSpPr/>
               <p:nvPr/>
-            </p:nvSpPr>
-            <p:spPr>
+            </p:nvGrpSpPr>
+            <p:grpSpPr>
               <a:xfrm>
-                <a:off x="3117490" y="1832920"/>
-                <a:ext cx="72000" cy="72000"/>
+                <a:off x="3113680" y="392920"/>
+                <a:ext cx="72000" cy="1512000"/>
+                <a:chOff x="3117490" y="392920"/>
+                <a:chExt cx="72000" cy="1512000"/>
               </a:xfrm>
-              <a:prstGeom prst="ellipse">
-                <a:avLst/>
-              </a:prstGeom>
-              <a:noFill/>
-              <a:ln w="3175">
-                <a:solidFill>
-                  <a:schemeClr val="tx1"/>
-                </a:solidFill>
-              </a:ln>
-            </p:spPr>
-            <p:style>
-              <a:lnRef idx="2">
-                <a:schemeClr val="dk1"/>
-              </a:lnRef>
-              <a:fillRef idx="1">
-                <a:schemeClr val="lt1"/>
-              </a:fillRef>
-              <a:effectRef idx="0">
-                <a:schemeClr val="dk1"/>
-              </a:effectRef>
-              <a:fontRef idx="minor">
-                <a:schemeClr val="dk1"/>
-              </a:fontRef>
-            </p:style>
-            <p:txBody>
-              <a:bodyPr rtlCol="0" anchor="ctr"/>
-              <a:lstStyle/>
-              <a:p>
-                <a:pPr algn="ctr"/>
-                <a:endParaRPr lang="en-ZA"/>
-              </a:p>
-            </p:txBody>
-          </p:sp>
+            </p:grpSpPr>
+            <p:sp>
+              <p:nvSpPr>
+                <p:cNvPr id="34" name="Oval 33">
+                  <a:extLst>
+                    <a:ext uri="{FF2B5EF4-FFF2-40B4-BE49-F238E27FC236}">
+                      <a16:creationId xmlns:a16="http://schemas.microsoft.com/office/drawing/2014/main" id="{750AFED7-EDA9-E7DE-36EF-92E9DB9E81B5}"/>
+                    </a:ext>
+                  </a:extLst>
+                </p:cNvPr>
+                <p:cNvSpPr/>
+                <p:nvPr/>
+              </p:nvSpPr>
+              <p:spPr>
+                <a:xfrm>
+                  <a:off x="3117490" y="392920"/>
+                  <a:ext cx="72000" cy="72000"/>
+                </a:xfrm>
+                <a:prstGeom prst="ellipse">
+                  <a:avLst/>
+                </a:prstGeom>
+                <a:noFill/>
+                <a:ln w="3175">
+                  <a:solidFill>
+                    <a:schemeClr val="tx1"/>
+                  </a:solidFill>
+                </a:ln>
+              </p:spPr>
+              <p:style>
+                <a:lnRef idx="2">
+                  <a:schemeClr val="dk1"/>
+                </a:lnRef>
+                <a:fillRef idx="1">
+                  <a:schemeClr val="lt1"/>
+                </a:fillRef>
+                <a:effectRef idx="0">
+                  <a:schemeClr val="dk1"/>
+                </a:effectRef>
+                <a:fontRef idx="minor">
+                  <a:schemeClr val="dk1"/>
+                </a:fontRef>
+              </p:style>
+              <p:txBody>
+                <a:bodyPr rtlCol="0" anchor="ctr"/>
+                <a:lstStyle/>
+                <a:p>
+                  <a:pPr algn="ctr"/>
+                  <a:endParaRPr lang="en-ZA"/>
+                </a:p>
+              </p:txBody>
+            </p:sp>
+            <p:sp>
+              <p:nvSpPr>
+                <p:cNvPr id="35" name="Oval 34">
+                  <a:extLst>
+                    <a:ext uri="{FF2B5EF4-FFF2-40B4-BE49-F238E27FC236}">
+                      <a16:creationId xmlns:a16="http://schemas.microsoft.com/office/drawing/2014/main" id="{486E74E3-3C1A-12AB-63FF-83A1FCC272AB}"/>
+                    </a:ext>
+                  </a:extLst>
+                </p:cNvPr>
+                <p:cNvSpPr/>
+                <p:nvPr/>
+              </p:nvSpPr>
+              <p:spPr>
+                <a:xfrm>
+                  <a:off x="3117490" y="1832920"/>
+                  <a:ext cx="72000" cy="72000"/>
+                </a:xfrm>
+                <a:prstGeom prst="ellipse">
+                  <a:avLst/>
+                </a:prstGeom>
+                <a:noFill/>
+                <a:ln w="3175">
+                  <a:solidFill>
+                    <a:schemeClr val="tx1"/>
+                  </a:solidFill>
+                </a:ln>
+              </p:spPr>
+              <p:style>
+                <a:lnRef idx="2">
+                  <a:schemeClr val="dk1"/>
+                </a:lnRef>
+                <a:fillRef idx="1">
+                  <a:schemeClr val="lt1"/>
+                </a:fillRef>
+                <a:effectRef idx="0">
+                  <a:schemeClr val="dk1"/>
+                </a:effectRef>
+                <a:fontRef idx="minor">
+                  <a:schemeClr val="dk1"/>
+                </a:fontRef>
+              </p:style>
+              <p:txBody>
+                <a:bodyPr rtlCol="0" anchor="ctr"/>
+                <a:lstStyle/>
+                <a:p>
+                  <a:pPr algn="ctr"/>
+                  <a:endParaRPr lang="en-ZA"/>
+                </a:p>
+              </p:txBody>
+            </p:sp>
+          </p:grpSp>
+          <p:grpSp>
+            <p:nvGrpSpPr>
+              <p:cNvPr id="31" name="Group 30">
+                <a:extLst>
+                  <a:ext uri="{FF2B5EF4-FFF2-40B4-BE49-F238E27FC236}">
+                    <a16:creationId xmlns:a16="http://schemas.microsoft.com/office/drawing/2014/main" id="{1AA43D07-E9C8-89E0-E81B-C723A0324A64}"/>
+                  </a:ext>
+                </a:extLst>
+              </p:cNvPr>
+              <p:cNvGrpSpPr/>
+              <p:nvPr/>
+            </p:nvGrpSpPr>
+            <p:grpSpPr>
+              <a:xfrm>
+                <a:off x="621790" y="392920"/>
+                <a:ext cx="72000" cy="1505610"/>
+                <a:chOff x="610360" y="392920"/>
+                <a:chExt cx="72000" cy="1505610"/>
+              </a:xfrm>
+            </p:grpSpPr>
+            <p:sp>
+              <p:nvSpPr>
+                <p:cNvPr id="32" name="Oval 31">
+                  <a:extLst>
+                    <a:ext uri="{FF2B5EF4-FFF2-40B4-BE49-F238E27FC236}">
+                      <a16:creationId xmlns:a16="http://schemas.microsoft.com/office/drawing/2014/main" id="{DA22D5AA-1570-5BC0-E57F-F17CAFC77C3B}"/>
+                    </a:ext>
+                  </a:extLst>
+                </p:cNvPr>
+                <p:cNvSpPr/>
+                <p:nvPr/>
+              </p:nvSpPr>
+              <p:spPr>
+                <a:xfrm>
+                  <a:off x="610360" y="1826530"/>
+                  <a:ext cx="72000" cy="72000"/>
+                </a:xfrm>
+                <a:prstGeom prst="ellipse">
+                  <a:avLst/>
+                </a:prstGeom>
+                <a:noFill/>
+                <a:ln w="3175">
+                  <a:solidFill>
+                    <a:schemeClr val="tx1"/>
+                  </a:solidFill>
+                </a:ln>
+              </p:spPr>
+              <p:style>
+                <a:lnRef idx="2">
+                  <a:schemeClr val="dk1"/>
+                </a:lnRef>
+                <a:fillRef idx="1">
+                  <a:schemeClr val="lt1"/>
+                </a:fillRef>
+                <a:effectRef idx="0">
+                  <a:schemeClr val="dk1"/>
+                </a:effectRef>
+                <a:fontRef idx="minor">
+                  <a:schemeClr val="dk1"/>
+                </a:fontRef>
+              </p:style>
+              <p:txBody>
+                <a:bodyPr rtlCol="0" anchor="ctr"/>
+                <a:lstStyle/>
+                <a:p>
+                  <a:pPr algn="ctr"/>
+                  <a:endParaRPr lang="en-ZA"/>
+                </a:p>
+              </p:txBody>
+            </p:sp>
+            <p:sp>
+              <p:nvSpPr>
+                <p:cNvPr id="33" name="Oval 32">
+                  <a:extLst>
+                    <a:ext uri="{FF2B5EF4-FFF2-40B4-BE49-F238E27FC236}">
+                      <a16:creationId xmlns:a16="http://schemas.microsoft.com/office/drawing/2014/main" id="{9B27F8DF-71DC-ABC8-4E8B-51540375A176}"/>
+                    </a:ext>
+                  </a:extLst>
+                </p:cNvPr>
+                <p:cNvSpPr/>
+                <p:nvPr/>
+              </p:nvSpPr>
+              <p:spPr>
+                <a:xfrm>
+                  <a:off x="610360" y="392920"/>
+                  <a:ext cx="72000" cy="72000"/>
+                </a:xfrm>
+                <a:prstGeom prst="ellipse">
+                  <a:avLst/>
+                </a:prstGeom>
+                <a:noFill/>
+                <a:ln w="3175">
+                  <a:solidFill>
+                    <a:schemeClr val="tx1"/>
+                  </a:solidFill>
+                </a:ln>
+              </p:spPr>
+              <p:style>
+                <a:lnRef idx="2">
+                  <a:schemeClr val="dk1"/>
+                </a:lnRef>
+                <a:fillRef idx="1">
+                  <a:schemeClr val="lt1"/>
+                </a:fillRef>
+                <a:effectRef idx="0">
+                  <a:schemeClr val="dk1"/>
+                </a:effectRef>
+                <a:fontRef idx="minor">
+                  <a:schemeClr val="dk1"/>
+                </a:fontRef>
+              </p:style>
+              <p:txBody>
+                <a:bodyPr rtlCol="0" anchor="ctr"/>
+                <a:lstStyle/>
+                <a:p>
+                  <a:pPr algn="ctr"/>
+                  <a:endParaRPr lang="en-ZA"/>
+                </a:p>
+              </p:txBody>
+            </p:sp>
+          </p:grpSp>
         </p:grpSp>
         <p:grpSp>
           <p:nvGrpSpPr>
-            <p:cNvPr id="31" name="Group 30">
+            <p:cNvPr id="36" name="Group 35">
               <a:extLst>
                 <a:ext uri="{FF2B5EF4-FFF2-40B4-BE49-F238E27FC236}">
-                  <a16:creationId xmlns:a16="http://schemas.microsoft.com/office/drawing/2014/main" id="{1AA43D07-E9C8-89E0-E81B-C723A0324A64}"/>
+                  <a16:creationId xmlns:a16="http://schemas.microsoft.com/office/drawing/2014/main" id="{56DE3B74-2E14-3F60-69BE-B1258D77DA9C}"/>
                 </a:ext>
               </a:extLst>
             </p:cNvPr>
@@ -4081,376 +4223,255 @@
             <p:nvPr/>
           </p:nvGrpSpPr>
           <p:grpSpPr>
-            <a:xfrm>
-              <a:off x="621790" y="392920"/>
-              <a:ext cx="72000" cy="1505610"/>
-              <a:chOff x="610360" y="392920"/>
-              <a:chExt cx="72000" cy="1505610"/>
+            <a:xfrm rot="5400000">
+              <a:off x="5334895" y="1159093"/>
+              <a:ext cx="289815" cy="747814"/>
+              <a:chOff x="1543960" y="775013"/>
+              <a:chExt cx="289815" cy="747814"/>
             </a:xfrm>
           </p:grpSpPr>
-          <p:sp>
-            <p:nvSpPr>
-              <p:cNvPr id="32" name="Oval 31">
+          <p:grpSp>
+            <p:nvGrpSpPr>
+              <p:cNvPr id="37" name="Group 36">
                 <a:extLst>
                   <a:ext uri="{FF2B5EF4-FFF2-40B4-BE49-F238E27FC236}">
-                    <a16:creationId xmlns:a16="http://schemas.microsoft.com/office/drawing/2014/main" id="{DA22D5AA-1570-5BC0-E57F-F17CAFC77C3B}"/>
+                    <a16:creationId xmlns:a16="http://schemas.microsoft.com/office/drawing/2014/main" id="{F5C22B4F-451A-C814-7C59-A3730DC717B4}"/>
                   </a:ext>
                 </a:extLst>
               </p:cNvPr>
-              <p:cNvSpPr/>
+              <p:cNvGrpSpPr/>
               <p:nvPr/>
-            </p:nvSpPr>
-            <p:spPr>
+            </p:nvGrpSpPr>
+            <p:grpSpPr>
               <a:xfrm>
-                <a:off x="610360" y="1826530"/>
-                <a:ext cx="72000" cy="72000"/>
+                <a:off x="1543960" y="775013"/>
+                <a:ext cx="72000" cy="747814"/>
+                <a:chOff x="4769680" y="5188086"/>
+                <a:chExt cx="72000" cy="747814"/>
               </a:xfrm>
-              <a:prstGeom prst="ellipse">
-                <a:avLst/>
-              </a:prstGeom>
-              <a:noFill/>
-              <a:ln w="3175">
-                <a:solidFill>
-                  <a:schemeClr val="tx1"/>
-                </a:solidFill>
-              </a:ln>
-            </p:spPr>
-            <p:style>
-              <a:lnRef idx="2">
-                <a:schemeClr val="dk1"/>
-              </a:lnRef>
-              <a:fillRef idx="1">
-                <a:schemeClr val="lt1"/>
-              </a:fillRef>
-              <a:effectRef idx="0">
-                <a:schemeClr val="dk1"/>
-              </a:effectRef>
-              <a:fontRef idx="minor">
-                <a:schemeClr val="dk1"/>
-              </a:fontRef>
-            </p:style>
-            <p:txBody>
-              <a:bodyPr rtlCol="0" anchor="ctr"/>
-              <a:lstStyle/>
-              <a:p>
-                <a:pPr algn="ctr"/>
-                <a:endParaRPr lang="en-ZA"/>
-              </a:p>
-            </p:txBody>
-          </p:sp>
-          <p:sp>
-            <p:nvSpPr>
-              <p:cNvPr id="33" name="Oval 32">
+            </p:grpSpPr>
+            <p:sp>
+              <p:nvSpPr>
+                <p:cNvPr id="41" name="Oval 40">
+                  <a:extLst>
+                    <a:ext uri="{FF2B5EF4-FFF2-40B4-BE49-F238E27FC236}">
+                      <a16:creationId xmlns:a16="http://schemas.microsoft.com/office/drawing/2014/main" id="{7B7D513D-DE37-A014-C722-B11D764865D9}"/>
+                    </a:ext>
+                  </a:extLst>
+                </p:cNvPr>
+                <p:cNvSpPr/>
+                <p:nvPr/>
+              </p:nvSpPr>
+              <p:spPr>
+                <a:xfrm>
+                  <a:off x="4769680" y="5188086"/>
+                  <a:ext cx="72000" cy="72000"/>
+                </a:xfrm>
+                <a:prstGeom prst="ellipse">
+                  <a:avLst/>
+                </a:prstGeom>
+                <a:noFill/>
+                <a:ln w="3175">
+                  <a:solidFill>
+                    <a:schemeClr val="tx1"/>
+                  </a:solidFill>
+                </a:ln>
+              </p:spPr>
+              <p:style>
+                <a:lnRef idx="2">
+                  <a:schemeClr val="dk1"/>
+                </a:lnRef>
+                <a:fillRef idx="1">
+                  <a:schemeClr val="lt1"/>
+                </a:fillRef>
+                <a:effectRef idx="0">
+                  <a:schemeClr val="dk1"/>
+                </a:effectRef>
+                <a:fontRef idx="minor">
+                  <a:schemeClr val="dk1"/>
+                </a:fontRef>
+              </p:style>
+              <p:txBody>
+                <a:bodyPr rtlCol="0" anchor="ctr"/>
+                <a:lstStyle/>
+                <a:p>
+                  <a:pPr algn="ctr"/>
+                  <a:endParaRPr lang="en-ZA"/>
+                </a:p>
+              </p:txBody>
+            </p:sp>
+            <p:sp>
+              <p:nvSpPr>
+                <p:cNvPr id="42" name="Oval 41">
+                  <a:extLst>
+                    <a:ext uri="{FF2B5EF4-FFF2-40B4-BE49-F238E27FC236}">
+                      <a16:creationId xmlns:a16="http://schemas.microsoft.com/office/drawing/2014/main" id="{08DD8297-1FCE-AD49-6969-C3393CA3D75F}"/>
+                    </a:ext>
+                  </a:extLst>
+                </p:cNvPr>
+                <p:cNvSpPr/>
+                <p:nvPr/>
+              </p:nvSpPr>
+              <p:spPr>
+                <a:xfrm>
+                  <a:off x="4769680" y="5863900"/>
+                  <a:ext cx="72000" cy="72000"/>
+                </a:xfrm>
+                <a:prstGeom prst="ellipse">
+                  <a:avLst/>
+                </a:prstGeom>
+                <a:noFill/>
+                <a:ln w="3175">
+                  <a:solidFill>
+                    <a:schemeClr val="tx1"/>
+                  </a:solidFill>
+                </a:ln>
+              </p:spPr>
+              <p:style>
+                <a:lnRef idx="2">
+                  <a:schemeClr val="dk1"/>
+                </a:lnRef>
+                <a:fillRef idx="1">
+                  <a:schemeClr val="lt1"/>
+                </a:fillRef>
+                <a:effectRef idx="0">
+                  <a:schemeClr val="dk1"/>
+                </a:effectRef>
+                <a:fontRef idx="minor">
+                  <a:schemeClr val="dk1"/>
+                </a:fontRef>
+              </p:style>
+              <p:txBody>
+                <a:bodyPr rtlCol="0" anchor="ctr"/>
+                <a:lstStyle/>
+                <a:p>
+                  <a:pPr algn="ctr"/>
+                  <a:endParaRPr lang="en-ZA"/>
+                </a:p>
+              </p:txBody>
+            </p:sp>
+          </p:grpSp>
+          <p:grpSp>
+            <p:nvGrpSpPr>
+              <p:cNvPr id="38" name="Group 37">
                 <a:extLst>
                   <a:ext uri="{FF2B5EF4-FFF2-40B4-BE49-F238E27FC236}">
-                    <a16:creationId xmlns:a16="http://schemas.microsoft.com/office/drawing/2014/main" id="{9B27F8DF-71DC-ABC8-4E8B-51540375A176}"/>
+                    <a16:creationId xmlns:a16="http://schemas.microsoft.com/office/drawing/2014/main" id="{3E923B5A-167C-1720-339A-A3BC8ACAAEE4}"/>
                   </a:ext>
                 </a:extLst>
               </p:cNvPr>
-              <p:cNvSpPr/>
+              <p:cNvGrpSpPr/>
               <p:nvPr/>
-            </p:nvSpPr>
-            <p:spPr>
+            </p:nvGrpSpPr>
+            <p:grpSpPr>
               <a:xfrm>
-                <a:off x="610360" y="392920"/>
-                <a:ext cx="72000" cy="72000"/>
+                <a:off x="1761775" y="775013"/>
+                <a:ext cx="72000" cy="747814"/>
+                <a:chOff x="4769680" y="5188086"/>
+                <a:chExt cx="72000" cy="747814"/>
               </a:xfrm>
-              <a:prstGeom prst="ellipse">
-                <a:avLst/>
-              </a:prstGeom>
-              <a:noFill/>
-              <a:ln w="3175">
-                <a:solidFill>
-                  <a:schemeClr val="tx1"/>
-                </a:solidFill>
-              </a:ln>
-            </p:spPr>
-            <p:style>
-              <a:lnRef idx="2">
-                <a:schemeClr val="dk1"/>
-              </a:lnRef>
-              <a:fillRef idx="1">
-                <a:schemeClr val="lt1"/>
-              </a:fillRef>
-              <a:effectRef idx="0">
-                <a:schemeClr val="dk1"/>
-              </a:effectRef>
-              <a:fontRef idx="minor">
-                <a:schemeClr val="dk1"/>
-              </a:fontRef>
-            </p:style>
-            <p:txBody>
-              <a:bodyPr rtlCol="0" anchor="ctr"/>
-              <a:lstStyle/>
-              <a:p>
-                <a:pPr algn="ctr"/>
-                <a:endParaRPr lang="en-ZA"/>
-              </a:p>
-            </p:txBody>
-          </p:sp>
-        </p:grpSp>
-      </p:grpSp>
-      <p:grpSp>
-        <p:nvGrpSpPr>
-          <p:cNvPr id="36" name="Group 35">
-            <a:extLst>
-              <a:ext uri="{FF2B5EF4-FFF2-40B4-BE49-F238E27FC236}">
-                <a16:creationId xmlns:a16="http://schemas.microsoft.com/office/drawing/2014/main" id="{56DE3B74-2E14-3F60-69BE-B1258D77DA9C}"/>
-              </a:ext>
-            </a:extLst>
-          </p:cNvPr>
-          <p:cNvGrpSpPr/>
-          <p:nvPr/>
-        </p:nvGrpSpPr>
-        <p:grpSpPr>
-          <a:xfrm rot="5400000">
-            <a:off x="5334895" y="1159093"/>
-            <a:ext cx="289815" cy="747814"/>
-            <a:chOff x="1543960" y="775013"/>
-            <a:chExt cx="289815" cy="747814"/>
-          </a:xfrm>
-        </p:grpSpPr>
-        <p:grpSp>
-          <p:nvGrpSpPr>
-            <p:cNvPr id="37" name="Group 36">
-              <a:extLst>
-                <a:ext uri="{FF2B5EF4-FFF2-40B4-BE49-F238E27FC236}">
-                  <a16:creationId xmlns:a16="http://schemas.microsoft.com/office/drawing/2014/main" id="{F5C22B4F-451A-C814-7C59-A3730DC717B4}"/>
-                </a:ext>
-              </a:extLst>
-            </p:cNvPr>
-            <p:cNvGrpSpPr/>
-            <p:nvPr/>
-          </p:nvGrpSpPr>
-          <p:grpSpPr>
-            <a:xfrm>
-              <a:off x="1543960" y="775013"/>
-              <a:ext cx="72000" cy="747814"/>
-              <a:chOff x="4769680" y="5188086"/>
-              <a:chExt cx="72000" cy="747814"/>
-            </a:xfrm>
-          </p:grpSpPr>
-          <p:sp>
-            <p:nvSpPr>
-              <p:cNvPr id="41" name="Oval 40">
-                <a:extLst>
-                  <a:ext uri="{FF2B5EF4-FFF2-40B4-BE49-F238E27FC236}">
-                    <a16:creationId xmlns:a16="http://schemas.microsoft.com/office/drawing/2014/main" id="{7B7D513D-DE37-A014-C722-B11D764865D9}"/>
-                  </a:ext>
-                </a:extLst>
-              </p:cNvPr>
-              <p:cNvSpPr/>
-              <p:nvPr/>
-            </p:nvSpPr>
-            <p:spPr>
-              <a:xfrm>
-                <a:off x="4769680" y="5188086"/>
-                <a:ext cx="72000" cy="72000"/>
-              </a:xfrm>
-              <a:prstGeom prst="ellipse">
-                <a:avLst/>
-              </a:prstGeom>
-              <a:noFill/>
-              <a:ln w="3175">
-                <a:solidFill>
-                  <a:schemeClr val="tx1"/>
-                </a:solidFill>
-              </a:ln>
-            </p:spPr>
-            <p:style>
-              <a:lnRef idx="2">
-                <a:schemeClr val="dk1"/>
-              </a:lnRef>
-              <a:fillRef idx="1">
-                <a:schemeClr val="lt1"/>
-              </a:fillRef>
-              <a:effectRef idx="0">
-                <a:schemeClr val="dk1"/>
-              </a:effectRef>
-              <a:fontRef idx="minor">
-                <a:schemeClr val="dk1"/>
-              </a:fontRef>
-            </p:style>
-            <p:txBody>
-              <a:bodyPr rtlCol="0" anchor="ctr"/>
-              <a:lstStyle/>
-              <a:p>
-                <a:pPr algn="ctr"/>
-                <a:endParaRPr lang="en-ZA"/>
-              </a:p>
-            </p:txBody>
-          </p:sp>
-          <p:sp>
-            <p:nvSpPr>
-              <p:cNvPr id="42" name="Oval 41">
-                <a:extLst>
-                  <a:ext uri="{FF2B5EF4-FFF2-40B4-BE49-F238E27FC236}">
-                    <a16:creationId xmlns:a16="http://schemas.microsoft.com/office/drawing/2014/main" id="{08DD8297-1FCE-AD49-6969-C3393CA3D75F}"/>
-                  </a:ext>
-                </a:extLst>
-              </p:cNvPr>
-              <p:cNvSpPr/>
-              <p:nvPr/>
-            </p:nvSpPr>
-            <p:spPr>
-              <a:xfrm>
-                <a:off x="4769680" y="5863900"/>
-                <a:ext cx="72000" cy="72000"/>
-              </a:xfrm>
-              <a:prstGeom prst="ellipse">
-                <a:avLst/>
-              </a:prstGeom>
-              <a:noFill/>
-              <a:ln w="3175">
-                <a:solidFill>
-                  <a:schemeClr val="tx1"/>
-                </a:solidFill>
-              </a:ln>
-            </p:spPr>
-            <p:style>
-              <a:lnRef idx="2">
-                <a:schemeClr val="dk1"/>
-              </a:lnRef>
-              <a:fillRef idx="1">
-                <a:schemeClr val="lt1"/>
-              </a:fillRef>
-              <a:effectRef idx="0">
-                <a:schemeClr val="dk1"/>
-              </a:effectRef>
-              <a:fontRef idx="minor">
-                <a:schemeClr val="dk1"/>
-              </a:fontRef>
-            </p:style>
-            <p:txBody>
-              <a:bodyPr rtlCol="0" anchor="ctr"/>
-              <a:lstStyle/>
-              <a:p>
-                <a:pPr algn="ctr"/>
-                <a:endParaRPr lang="en-ZA"/>
-              </a:p>
-            </p:txBody>
-          </p:sp>
-        </p:grpSp>
-        <p:grpSp>
-          <p:nvGrpSpPr>
-            <p:cNvPr id="38" name="Group 37">
-              <a:extLst>
-                <a:ext uri="{FF2B5EF4-FFF2-40B4-BE49-F238E27FC236}">
-                  <a16:creationId xmlns:a16="http://schemas.microsoft.com/office/drawing/2014/main" id="{3E923B5A-167C-1720-339A-A3BC8ACAAEE4}"/>
-                </a:ext>
-              </a:extLst>
-            </p:cNvPr>
-            <p:cNvGrpSpPr/>
-            <p:nvPr/>
-          </p:nvGrpSpPr>
-          <p:grpSpPr>
-            <a:xfrm>
-              <a:off x="1761775" y="775013"/>
-              <a:ext cx="72000" cy="747814"/>
-              <a:chOff x="4769680" y="5188086"/>
-              <a:chExt cx="72000" cy="747814"/>
-            </a:xfrm>
-          </p:grpSpPr>
-          <p:sp>
-            <p:nvSpPr>
-              <p:cNvPr id="39" name="Oval 38">
-                <a:extLst>
-                  <a:ext uri="{FF2B5EF4-FFF2-40B4-BE49-F238E27FC236}">
-                    <a16:creationId xmlns:a16="http://schemas.microsoft.com/office/drawing/2014/main" id="{CDC27E18-9DE6-EE78-AADD-C590A3DF654A}"/>
-                  </a:ext>
-                </a:extLst>
-              </p:cNvPr>
-              <p:cNvSpPr/>
-              <p:nvPr/>
-            </p:nvSpPr>
-            <p:spPr>
-              <a:xfrm>
-                <a:off x="4769680" y="5188086"/>
-                <a:ext cx="72000" cy="72000"/>
-              </a:xfrm>
-              <a:prstGeom prst="ellipse">
-                <a:avLst/>
-              </a:prstGeom>
-              <a:noFill/>
-              <a:ln w="3175">
-                <a:solidFill>
-                  <a:schemeClr val="tx1"/>
-                </a:solidFill>
-              </a:ln>
-            </p:spPr>
-            <p:style>
-              <a:lnRef idx="2">
-                <a:schemeClr val="dk1"/>
-              </a:lnRef>
-              <a:fillRef idx="1">
-                <a:schemeClr val="lt1"/>
-              </a:fillRef>
-              <a:effectRef idx="0">
-                <a:schemeClr val="dk1"/>
-              </a:effectRef>
-              <a:fontRef idx="minor">
-                <a:schemeClr val="dk1"/>
-              </a:fontRef>
-            </p:style>
-            <p:txBody>
-              <a:bodyPr rtlCol="0" anchor="ctr"/>
-              <a:lstStyle/>
-              <a:p>
-                <a:pPr algn="ctr"/>
-                <a:endParaRPr lang="en-ZA"/>
-              </a:p>
-            </p:txBody>
-          </p:sp>
-          <p:sp>
-            <p:nvSpPr>
-              <p:cNvPr id="40" name="Oval 39">
-                <a:extLst>
-                  <a:ext uri="{FF2B5EF4-FFF2-40B4-BE49-F238E27FC236}">
-                    <a16:creationId xmlns:a16="http://schemas.microsoft.com/office/drawing/2014/main" id="{D786BC49-BCB4-E6BF-4A50-66106252CF5B}"/>
-                  </a:ext>
-                </a:extLst>
-              </p:cNvPr>
-              <p:cNvSpPr/>
-              <p:nvPr/>
-            </p:nvSpPr>
-            <p:spPr>
-              <a:xfrm>
-                <a:off x="4769680" y="5863900"/>
-                <a:ext cx="72000" cy="72000"/>
-              </a:xfrm>
-              <a:prstGeom prst="ellipse">
-                <a:avLst/>
-              </a:prstGeom>
-              <a:noFill/>
-              <a:ln w="3175">
-                <a:solidFill>
-                  <a:schemeClr val="tx1"/>
-                </a:solidFill>
-              </a:ln>
-            </p:spPr>
-            <p:style>
-              <a:lnRef idx="2">
-                <a:schemeClr val="dk1"/>
-              </a:lnRef>
-              <a:fillRef idx="1">
-                <a:schemeClr val="lt1"/>
-              </a:fillRef>
-              <a:effectRef idx="0">
-                <a:schemeClr val="dk1"/>
-              </a:effectRef>
-              <a:fontRef idx="minor">
-                <a:schemeClr val="dk1"/>
-              </a:fontRef>
-            </p:style>
-            <p:txBody>
-              <a:bodyPr rtlCol="0" anchor="ctr"/>
-              <a:lstStyle/>
-              <a:p>
-                <a:pPr algn="ctr"/>
-                <a:endParaRPr lang="en-ZA"/>
-              </a:p>
-            </p:txBody>
-          </p:sp>
+            </p:grpSpPr>
+            <p:sp>
+              <p:nvSpPr>
+                <p:cNvPr id="39" name="Oval 38">
+                  <a:extLst>
+                    <a:ext uri="{FF2B5EF4-FFF2-40B4-BE49-F238E27FC236}">
+                      <a16:creationId xmlns:a16="http://schemas.microsoft.com/office/drawing/2014/main" id="{CDC27E18-9DE6-EE78-AADD-C590A3DF654A}"/>
+                    </a:ext>
+                  </a:extLst>
+                </p:cNvPr>
+                <p:cNvSpPr/>
+                <p:nvPr/>
+              </p:nvSpPr>
+              <p:spPr>
+                <a:xfrm>
+                  <a:off x="4769680" y="5188086"/>
+                  <a:ext cx="72000" cy="72000"/>
+                </a:xfrm>
+                <a:prstGeom prst="ellipse">
+                  <a:avLst/>
+                </a:prstGeom>
+                <a:noFill/>
+                <a:ln w="3175">
+                  <a:solidFill>
+                    <a:schemeClr val="tx1"/>
+                  </a:solidFill>
+                </a:ln>
+              </p:spPr>
+              <p:style>
+                <a:lnRef idx="2">
+                  <a:schemeClr val="dk1"/>
+                </a:lnRef>
+                <a:fillRef idx="1">
+                  <a:schemeClr val="lt1"/>
+                </a:fillRef>
+                <a:effectRef idx="0">
+                  <a:schemeClr val="dk1"/>
+                </a:effectRef>
+                <a:fontRef idx="minor">
+                  <a:schemeClr val="dk1"/>
+                </a:fontRef>
+              </p:style>
+              <p:txBody>
+                <a:bodyPr rtlCol="0" anchor="ctr"/>
+                <a:lstStyle/>
+                <a:p>
+                  <a:pPr algn="ctr"/>
+                  <a:endParaRPr lang="en-ZA"/>
+                </a:p>
+              </p:txBody>
+            </p:sp>
+            <p:sp>
+              <p:nvSpPr>
+                <p:cNvPr id="40" name="Oval 39">
+                  <a:extLst>
+                    <a:ext uri="{FF2B5EF4-FFF2-40B4-BE49-F238E27FC236}">
+                      <a16:creationId xmlns:a16="http://schemas.microsoft.com/office/drawing/2014/main" id="{D786BC49-BCB4-E6BF-4A50-66106252CF5B}"/>
+                    </a:ext>
+                  </a:extLst>
+                </p:cNvPr>
+                <p:cNvSpPr/>
+                <p:nvPr/>
+              </p:nvSpPr>
+              <p:spPr>
+                <a:xfrm>
+                  <a:off x="4769680" y="5863900"/>
+                  <a:ext cx="72000" cy="72000"/>
+                </a:xfrm>
+                <a:prstGeom prst="ellipse">
+                  <a:avLst/>
+                </a:prstGeom>
+                <a:noFill/>
+                <a:ln w="3175">
+                  <a:solidFill>
+                    <a:schemeClr val="tx1"/>
+                  </a:solidFill>
+                </a:ln>
+              </p:spPr>
+              <p:style>
+                <a:lnRef idx="2">
+                  <a:schemeClr val="dk1"/>
+                </a:lnRef>
+                <a:fillRef idx="1">
+                  <a:schemeClr val="lt1"/>
+                </a:fillRef>
+                <a:effectRef idx="0">
+                  <a:schemeClr val="dk1"/>
+                </a:effectRef>
+                <a:fontRef idx="minor">
+                  <a:schemeClr val="dk1"/>
+                </a:fontRef>
+              </p:style>
+              <p:txBody>
+                <a:bodyPr rtlCol="0" anchor="ctr"/>
+                <a:lstStyle/>
+                <a:p>
+                  <a:pPr algn="ctr"/>
+                  <a:endParaRPr lang="en-ZA"/>
+                </a:p>
+              </p:txBody>
+            </p:sp>
+          </p:grpSp>
         </p:grpSp>
       </p:grpSp>
       <p:grpSp>
@@ -4942,6 +4963,416 @@
           </a:p>
         </p:txBody>
       </p:sp>
+      <p:grpSp>
+        <p:nvGrpSpPr>
+          <p:cNvPr id="11" name="Group 10">
+            <a:extLst>
+              <a:ext uri="{FF2B5EF4-FFF2-40B4-BE49-F238E27FC236}">
+                <a16:creationId xmlns:a16="http://schemas.microsoft.com/office/drawing/2014/main" id="{B75234FE-E021-9EF5-4DCE-EC7ABE02714B}"/>
+              </a:ext>
+            </a:extLst>
+          </p:cNvPr>
+          <p:cNvGrpSpPr/>
+          <p:nvPr/>
+        </p:nvGrpSpPr>
+        <p:grpSpPr>
+          <a:xfrm>
+            <a:off x="4562014" y="2045341"/>
+            <a:ext cx="2160000" cy="1800000"/>
+            <a:chOff x="6517412" y="93000"/>
+            <a:chExt cx="2160000" cy="1800000"/>
+          </a:xfrm>
+        </p:grpSpPr>
+        <p:sp>
+          <p:nvSpPr>
+            <p:cNvPr id="2" name="Rectangle: Rounded Corners 1">
+              <a:extLst>
+                <a:ext uri="{FF2B5EF4-FFF2-40B4-BE49-F238E27FC236}">
+                  <a16:creationId xmlns:a16="http://schemas.microsoft.com/office/drawing/2014/main" id="{49D336DF-3FAB-D0C6-5A9E-FE499D565462}"/>
+                </a:ext>
+              </a:extLst>
+            </p:cNvPr>
+            <p:cNvSpPr/>
+            <p:nvPr/>
+          </p:nvSpPr>
+          <p:spPr>
+            <a:xfrm>
+              <a:off x="6517412" y="93000"/>
+              <a:ext cx="2160000" cy="1800000"/>
+            </a:xfrm>
+            <a:prstGeom prst="roundRect">
+              <a:avLst>
+                <a:gd name="adj" fmla="val 5569"/>
+              </a:avLst>
+            </a:prstGeom>
+            <a:noFill/>
+          </p:spPr>
+          <p:style>
+            <a:lnRef idx="2">
+              <a:schemeClr val="dk1"/>
+            </a:lnRef>
+            <a:fillRef idx="1">
+              <a:schemeClr val="lt1"/>
+            </a:fillRef>
+            <a:effectRef idx="0">
+              <a:schemeClr val="dk1"/>
+            </a:effectRef>
+            <a:fontRef idx="minor">
+              <a:schemeClr val="dk1"/>
+            </a:fontRef>
+          </p:style>
+          <p:txBody>
+            <a:bodyPr rtlCol="0" anchor="ctr"/>
+            <a:lstStyle/>
+            <a:p>
+              <a:pPr algn="ctr"/>
+              <a:endParaRPr lang="en-ZA"/>
+            </a:p>
+          </p:txBody>
+        </p:sp>
+        <p:grpSp>
+          <p:nvGrpSpPr>
+            <p:cNvPr id="3" name="Group 2">
+              <a:extLst>
+                <a:ext uri="{FF2B5EF4-FFF2-40B4-BE49-F238E27FC236}">
+                  <a16:creationId xmlns:a16="http://schemas.microsoft.com/office/drawing/2014/main" id="{D673F0C0-02DD-5902-E174-DA930A47D288}"/>
+                </a:ext>
+              </a:extLst>
+            </p:cNvPr>
+            <p:cNvGrpSpPr/>
+            <p:nvPr/>
+          </p:nvGrpSpPr>
+          <p:grpSpPr>
+            <a:xfrm>
+              <a:off x="7442612" y="619093"/>
+              <a:ext cx="72000" cy="747814"/>
+              <a:chOff x="4769680" y="5188086"/>
+              <a:chExt cx="72000" cy="747814"/>
+            </a:xfrm>
+          </p:grpSpPr>
+          <p:sp>
+            <p:nvSpPr>
+              <p:cNvPr id="4" name="Oval 3">
+                <a:extLst>
+                  <a:ext uri="{FF2B5EF4-FFF2-40B4-BE49-F238E27FC236}">
+                    <a16:creationId xmlns:a16="http://schemas.microsoft.com/office/drawing/2014/main" id="{3C5F8209-DD0A-EE03-4C5A-54234F6D4C53}"/>
+                  </a:ext>
+                </a:extLst>
+              </p:cNvPr>
+              <p:cNvSpPr/>
+              <p:nvPr/>
+            </p:nvSpPr>
+            <p:spPr>
+              <a:xfrm>
+                <a:off x="4769680" y="5188086"/>
+                <a:ext cx="72000" cy="72000"/>
+              </a:xfrm>
+              <a:prstGeom prst="ellipse">
+                <a:avLst/>
+              </a:prstGeom>
+              <a:noFill/>
+              <a:ln w="3175">
+                <a:solidFill>
+                  <a:schemeClr val="tx1"/>
+                </a:solidFill>
+              </a:ln>
+            </p:spPr>
+            <p:style>
+              <a:lnRef idx="2">
+                <a:schemeClr val="dk1"/>
+              </a:lnRef>
+              <a:fillRef idx="1">
+                <a:schemeClr val="lt1"/>
+              </a:fillRef>
+              <a:effectRef idx="0">
+                <a:schemeClr val="dk1"/>
+              </a:effectRef>
+              <a:fontRef idx="minor">
+                <a:schemeClr val="dk1"/>
+              </a:fontRef>
+            </p:style>
+            <p:txBody>
+              <a:bodyPr rtlCol="0" anchor="ctr"/>
+              <a:lstStyle/>
+              <a:p>
+                <a:pPr algn="ctr"/>
+                <a:endParaRPr lang="en-ZA"/>
+              </a:p>
+            </p:txBody>
+          </p:sp>
+          <p:sp>
+            <p:nvSpPr>
+              <p:cNvPr id="5" name="Oval 4">
+                <a:extLst>
+                  <a:ext uri="{FF2B5EF4-FFF2-40B4-BE49-F238E27FC236}">
+                    <a16:creationId xmlns:a16="http://schemas.microsoft.com/office/drawing/2014/main" id="{548E71FB-C6C6-42CF-0554-D6F1725449C4}"/>
+                  </a:ext>
+                </a:extLst>
+              </p:cNvPr>
+              <p:cNvSpPr/>
+              <p:nvPr/>
+            </p:nvSpPr>
+            <p:spPr>
+              <a:xfrm>
+                <a:off x="4769680" y="5863900"/>
+                <a:ext cx="72000" cy="72000"/>
+              </a:xfrm>
+              <a:prstGeom prst="ellipse">
+                <a:avLst/>
+              </a:prstGeom>
+              <a:noFill/>
+              <a:ln w="3175">
+                <a:solidFill>
+                  <a:schemeClr val="tx1"/>
+                </a:solidFill>
+              </a:ln>
+            </p:spPr>
+            <p:style>
+              <a:lnRef idx="2">
+                <a:schemeClr val="dk1"/>
+              </a:lnRef>
+              <a:fillRef idx="1">
+                <a:schemeClr val="lt1"/>
+              </a:fillRef>
+              <a:effectRef idx="0">
+                <a:schemeClr val="dk1"/>
+              </a:effectRef>
+              <a:fontRef idx="minor">
+                <a:schemeClr val="dk1"/>
+              </a:fontRef>
+            </p:style>
+            <p:txBody>
+              <a:bodyPr rtlCol="0" anchor="ctr"/>
+              <a:lstStyle/>
+              <a:p>
+                <a:pPr algn="ctr"/>
+                <a:endParaRPr lang="en-ZA"/>
+              </a:p>
+            </p:txBody>
+          </p:sp>
+        </p:grpSp>
+        <p:grpSp>
+          <p:nvGrpSpPr>
+            <p:cNvPr id="6" name="Group 5">
+              <a:extLst>
+                <a:ext uri="{FF2B5EF4-FFF2-40B4-BE49-F238E27FC236}">
+                  <a16:creationId xmlns:a16="http://schemas.microsoft.com/office/drawing/2014/main" id="{C09C4B77-4EF7-8DF2-C38A-3E6B4BB941E1}"/>
+                </a:ext>
+              </a:extLst>
+            </p:cNvPr>
+            <p:cNvGrpSpPr/>
+            <p:nvPr/>
+          </p:nvGrpSpPr>
+          <p:grpSpPr>
+            <a:xfrm>
+              <a:off x="6661412" y="237000"/>
+              <a:ext cx="1870470" cy="1512000"/>
+              <a:chOff x="1413000" y="5097000"/>
+              <a:chExt cx="1870470" cy="1512000"/>
+            </a:xfrm>
+          </p:grpSpPr>
+          <p:sp>
+            <p:nvSpPr>
+              <p:cNvPr id="7" name="Oval 6">
+                <a:extLst>
+                  <a:ext uri="{FF2B5EF4-FFF2-40B4-BE49-F238E27FC236}">
+                    <a16:creationId xmlns:a16="http://schemas.microsoft.com/office/drawing/2014/main" id="{03977DD8-43FE-7094-4AC2-03FE3445C66C}"/>
+                  </a:ext>
+                </a:extLst>
+              </p:cNvPr>
+              <p:cNvSpPr/>
+              <p:nvPr/>
+            </p:nvSpPr>
+            <p:spPr>
+              <a:xfrm>
+                <a:off x="3211470" y="5097000"/>
+                <a:ext cx="72000" cy="72000"/>
+              </a:xfrm>
+              <a:prstGeom prst="ellipse">
+                <a:avLst/>
+              </a:prstGeom>
+              <a:noFill/>
+              <a:ln w="3175">
+                <a:solidFill>
+                  <a:schemeClr val="tx1"/>
+                </a:solidFill>
+              </a:ln>
+            </p:spPr>
+            <p:style>
+              <a:lnRef idx="2">
+                <a:schemeClr val="dk1"/>
+              </a:lnRef>
+              <a:fillRef idx="1">
+                <a:schemeClr val="lt1"/>
+              </a:fillRef>
+              <a:effectRef idx="0">
+                <a:schemeClr val="dk1"/>
+              </a:effectRef>
+              <a:fontRef idx="minor">
+                <a:schemeClr val="dk1"/>
+              </a:fontRef>
+            </p:style>
+            <p:txBody>
+              <a:bodyPr rtlCol="0" anchor="ctr"/>
+              <a:lstStyle/>
+              <a:p>
+                <a:pPr algn="ctr"/>
+                <a:endParaRPr lang="en-ZA"/>
+              </a:p>
+            </p:txBody>
+          </p:sp>
+          <p:sp>
+            <p:nvSpPr>
+              <p:cNvPr id="8" name="Oval 7">
+                <a:extLst>
+                  <a:ext uri="{FF2B5EF4-FFF2-40B4-BE49-F238E27FC236}">
+                    <a16:creationId xmlns:a16="http://schemas.microsoft.com/office/drawing/2014/main" id="{10489334-57A9-CF8A-80DC-8FAD317E8709}"/>
+                  </a:ext>
+                </a:extLst>
+              </p:cNvPr>
+              <p:cNvSpPr/>
+              <p:nvPr/>
+            </p:nvSpPr>
+            <p:spPr>
+              <a:xfrm>
+                <a:off x="3211470" y="6537000"/>
+                <a:ext cx="72000" cy="72000"/>
+              </a:xfrm>
+              <a:prstGeom prst="ellipse">
+                <a:avLst/>
+              </a:prstGeom>
+              <a:noFill/>
+              <a:ln w="3175">
+                <a:solidFill>
+                  <a:schemeClr val="tx1"/>
+                </a:solidFill>
+              </a:ln>
+            </p:spPr>
+            <p:style>
+              <a:lnRef idx="2">
+                <a:schemeClr val="dk1"/>
+              </a:lnRef>
+              <a:fillRef idx="1">
+                <a:schemeClr val="lt1"/>
+              </a:fillRef>
+              <a:effectRef idx="0">
+                <a:schemeClr val="dk1"/>
+              </a:effectRef>
+              <a:fontRef idx="minor">
+                <a:schemeClr val="dk1"/>
+              </a:fontRef>
+            </p:style>
+            <p:txBody>
+              <a:bodyPr rtlCol="0" anchor="ctr"/>
+              <a:lstStyle/>
+              <a:p>
+                <a:pPr algn="ctr"/>
+                <a:endParaRPr lang="en-ZA"/>
+              </a:p>
+            </p:txBody>
+          </p:sp>
+          <p:sp>
+            <p:nvSpPr>
+              <p:cNvPr id="9" name="Oval 8">
+                <a:extLst>
+                  <a:ext uri="{FF2B5EF4-FFF2-40B4-BE49-F238E27FC236}">
+                    <a16:creationId xmlns:a16="http://schemas.microsoft.com/office/drawing/2014/main" id="{3BFE5D11-7965-11B4-1268-2A0672860AA9}"/>
+                  </a:ext>
+                </a:extLst>
+              </p:cNvPr>
+              <p:cNvSpPr/>
+              <p:nvPr/>
+            </p:nvSpPr>
+            <p:spPr>
+              <a:xfrm>
+                <a:off x="1413000" y="6530610"/>
+                <a:ext cx="72000" cy="72000"/>
+              </a:xfrm>
+              <a:prstGeom prst="ellipse">
+                <a:avLst/>
+              </a:prstGeom>
+              <a:noFill/>
+              <a:ln w="3175">
+                <a:solidFill>
+                  <a:schemeClr val="tx1"/>
+                </a:solidFill>
+              </a:ln>
+            </p:spPr>
+            <p:style>
+              <a:lnRef idx="2">
+                <a:schemeClr val="dk1"/>
+              </a:lnRef>
+              <a:fillRef idx="1">
+                <a:schemeClr val="lt1"/>
+              </a:fillRef>
+              <a:effectRef idx="0">
+                <a:schemeClr val="dk1"/>
+              </a:effectRef>
+              <a:fontRef idx="minor">
+                <a:schemeClr val="dk1"/>
+              </a:fontRef>
+            </p:style>
+            <p:txBody>
+              <a:bodyPr rtlCol="0" anchor="ctr"/>
+              <a:lstStyle/>
+              <a:p>
+                <a:pPr algn="ctr"/>
+                <a:endParaRPr lang="en-ZA"/>
+              </a:p>
+            </p:txBody>
+          </p:sp>
+          <p:sp>
+            <p:nvSpPr>
+              <p:cNvPr id="10" name="Oval 9">
+                <a:extLst>
+                  <a:ext uri="{FF2B5EF4-FFF2-40B4-BE49-F238E27FC236}">
+                    <a16:creationId xmlns:a16="http://schemas.microsoft.com/office/drawing/2014/main" id="{3711CC35-BA5B-4499-FE1F-CF9FD4321642}"/>
+                  </a:ext>
+                </a:extLst>
+              </p:cNvPr>
+              <p:cNvSpPr/>
+              <p:nvPr/>
+            </p:nvSpPr>
+            <p:spPr>
+              <a:xfrm>
+                <a:off x="1413000" y="5097000"/>
+                <a:ext cx="72000" cy="72000"/>
+              </a:xfrm>
+              <a:prstGeom prst="ellipse">
+                <a:avLst/>
+              </a:prstGeom>
+              <a:noFill/>
+              <a:ln w="3175">
+                <a:solidFill>
+                  <a:schemeClr val="tx1"/>
+                </a:solidFill>
+              </a:ln>
+            </p:spPr>
+            <p:style>
+              <a:lnRef idx="2">
+                <a:schemeClr val="dk1"/>
+              </a:lnRef>
+              <a:fillRef idx="1">
+                <a:schemeClr val="lt1"/>
+              </a:fillRef>
+              <a:effectRef idx="0">
+                <a:schemeClr val="dk1"/>
+              </a:effectRef>
+              <a:fontRef idx="minor">
+                <a:schemeClr val="dk1"/>
+              </a:fontRef>
+            </p:style>
+            <p:txBody>
+              <a:bodyPr rtlCol="0" anchor="ctr"/>
+              <a:lstStyle/>
+              <a:p>
+                <a:pPr algn="ctr"/>
+                <a:endParaRPr lang="en-ZA"/>
+              </a:p>
+            </p:txBody>
+          </p:sp>
+        </p:grpSp>
+      </p:grpSp>
     </p:spTree>
     <p:extLst>
       <p:ext uri="{BB962C8B-B14F-4D97-AF65-F5344CB8AC3E}">
